--- a/ヘルメット/卒論/upload/figure/source/fig_data.pptx
+++ b/ヘルメット/卒論/upload/figure/source/fig_data.pptx
@@ -211,7 +211,7 @@
           <a:p>
             <a:fld id="{FE7EBC21-68F0-43CA-8DF5-D6844F9F3C2E}" type="datetimeFigureOut">
               <a:rPr kumimoji="1" lang="ja-JP" altLang="en-US" smtClean="0"/>
-              <a:t>2020/1/13</a:t>
+              <a:t>2020/1/17</a:t>
             </a:fld>
             <a:endParaRPr kumimoji="1" lang="ja-JP" altLang="en-US"/>
           </a:p>
@@ -731,7 +731,7 @@
           <a:p>
             <a:fld id="{28B1BEA1-2738-4C19-B133-02ABBF3E6E0C}" type="datetime1">
               <a:rPr kumimoji="1" lang="ja-JP" altLang="en-US" smtClean="0"/>
-              <a:t>2020/1/13</a:t>
+              <a:t>2020/1/17</a:t>
             </a:fld>
             <a:endParaRPr kumimoji="1" lang="ja-JP" altLang="en-US"/>
           </a:p>
@@ -1105,7 +1105,7 @@
           <a:p>
             <a:fld id="{321A0775-4641-4FD1-8F30-8577C8E45459}" type="datetime1">
               <a:rPr kumimoji="1" lang="ja-JP" altLang="en-US" smtClean="0"/>
-              <a:t>2020/1/13</a:t>
+              <a:t>2020/1/17</a:t>
             </a:fld>
             <a:endParaRPr kumimoji="1" lang="ja-JP" altLang="en-US"/>
           </a:p>
@@ -1315,7 +1315,7 @@
           <a:p>
             <a:fld id="{1A958096-B04A-44A1-BF3F-4EF7C63AEE7F}" type="datetime1">
               <a:rPr kumimoji="1" lang="ja-JP" altLang="en-US" smtClean="0"/>
-              <a:t>2020/1/13</a:t>
+              <a:t>2020/1/17</a:t>
             </a:fld>
             <a:endParaRPr kumimoji="1" lang="ja-JP" altLang="en-US"/>
           </a:p>
@@ -1515,7 +1515,7 @@
           <a:p>
             <a:fld id="{7E4BC299-9A2B-46B3-A868-72E6088D753F}" type="datetime1">
               <a:rPr kumimoji="1" lang="ja-JP" altLang="en-US" smtClean="0"/>
-              <a:t>2020/1/13</a:t>
+              <a:t>2020/1/17</a:t>
             </a:fld>
             <a:endParaRPr kumimoji="1" lang="ja-JP" altLang="en-US"/>
           </a:p>
@@ -1949,7 +1949,7 @@
           <a:p>
             <a:fld id="{5730D93F-C6A8-45DB-973B-2E9B74BB5747}" type="datetime1">
               <a:rPr kumimoji="1" lang="ja-JP" altLang="en-US" smtClean="0"/>
-              <a:t>2020/1/13</a:t>
+              <a:t>2020/1/17</a:t>
             </a:fld>
             <a:endParaRPr kumimoji="1" lang="ja-JP" altLang="en-US"/>
           </a:p>
@@ -2242,7 +2242,7 @@
           <a:p>
             <a:fld id="{8C8FBA03-08C5-445A-9675-5DD0E048D580}" type="datetime1">
               <a:rPr kumimoji="1" lang="ja-JP" altLang="en-US" smtClean="0"/>
-              <a:t>2020/1/13</a:t>
+              <a:t>2020/1/17</a:t>
             </a:fld>
             <a:endParaRPr kumimoji="1" lang="ja-JP" altLang="en-US"/>
           </a:p>
@@ -2670,7 +2670,7 @@
           <a:p>
             <a:fld id="{F22B3BE6-F63B-45DF-9657-6FEF2EDB1F30}" type="datetime1">
               <a:rPr kumimoji="1" lang="ja-JP" altLang="en-US" smtClean="0"/>
-              <a:t>2020/1/13</a:t>
+              <a:t>2020/1/17</a:t>
             </a:fld>
             <a:endParaRPr kumimoji="1" lang="ja-JP" altLang="en-US"/>
           </a:p>
@@ -2787,7 +2787,7 @@
           <a:p>
             <a:fld id="{C1D6E599-F080-45CC-8481-C833508C9D12}" type="datetime1">
               <a:rPr kumimoji="1" lang="ja-JP" altLang="en-US" smtClean="0"/>
-              <a:t>2020/1/13</a:t>
+              <a:t>2020/1/17</a:t>
             </a:fld>
             <a:endParaRPr kumimoji="1" lang="ja-JP" altLang="en-US"/>
           </a:p>
@@ -2882,7 +2882,7 @@
           <a:p>
             <a:fld id="{7D9B8A7E-64BC-4577-982E-7EC7218FD10F}" type="datetime1">
               <a:rPr kumimoji="1" lang="ja-JP" altLang="en-US" smtClean="0"/>
-              <a:t>2020/1/13</a:t>
+              <a:t>2020/1/17</a:t>
             </a:fld>
             <a:endParaRPr kumimoji="1" lang="ja-JP" altLang="en-US"/>
           </a:p>
@@ -3189,7 +3189,7 @@
           <a:p>
             <a:fld id="{8373066C-4ED1-4359-AD45-A7DE722C8BF8}" type="datetime1">
               <a:rPr kumimoji="1" lang="ja-JP" altLang="en-US" smtClean="0"/>
-              <a:t>2020/1/13</a:t>
+              <a:t>2020/1/17</a:t>
             </a:fld>
             <a:endParaRPr kumimoji="1" lang="ja-JP" altLang="en-US"/>
           </a:p>
@@ -3441,7 +3441,7 @@
           <a:p>
             <a:fld id="{BC0FD902-686B-4A0D-9EB1-37C4F06B03EF}" type="datetime1">
               <a:rPr kumimoji="1" lang="ja-JP" altLang="en-US" smtClean="0"/>
-              <a:t>2020/1/13</a:t>
+              <a:t>2020/1/17</a:t>
             </a:fld>
             <a:endParaRPr kumimoji="1" lang="ja-JP" altLang="en-US"/>
           </a:p>
@@ -3684,7 +3684,7 @@
           <a:p>
             <a:fld id="{E90FD2C9-6400-40CA-9626-E4ED2CBDBD1C}" type="datetime1">
               <a:rPr kumimoji="1" lang="ja-JP" altLang="en-US" smtClean="0"/>
-              <a:t>2020/1/13</a:t>
+              <a:t>2020/1/17</a:t>
             </a:fld>
             <a:endParaRPr kumimoji="1" lang="ja-JP" altLang="en-US"/>
           </a:p>
@@ -4167,46 +4167,6 @@
       </p:sp>
       <p:sp>
         <p:nvSpPr>
-          <p:cNvPr id="118" name="テキスト ボックス 117">
-            <a:extLst>
-              <a:ext uri="{FF2B5EF4-FFF2-40B4-BE49-F238E27FC236}">
-                <a16:creationId xmlns:a16="http://schemas.microsoft.com/office/drawing/2014/main" id="{66CFD00C-20C3-4216-9D2E-06971DE37894}"/>
-              </a:ext>
-            </a:extLst>
-          </p:cNvPr>
-          <p:cNvSpPr txBox="1"/>
-          <p:nvPr/>
-        </p:nvSpPr>
-        <p:spPr>
-          <a:xfrm>
-            <a:off x="5451700" y="1934090"/>
-            <a:ext cx="1840774" cy="369332"/>
-          </a:xfrm>
-          <a:prstGeom prst="rect">
-            <a:avLst/>
-          </a:prstGeom>
-          <a:noFill/>
-        </p:spPr>
-        <p:txBody>
-          <a:bodyPr wrap="square" rtlCol="0">
-            <a:spAutoFit/>
-          </a:bodyPr>
-          <a:lstStyle/>
-          <a:p>
-            <a:pPr algn="ctr"/>
-            <a:r>
-              <a:rPr kumimoji="1" lang="en-US" altLang="ja-JP" dirty="0"/>
-              <a:t>32</a:t>
-            </a:r>
-            <a:r>
-              <a:rPr kumimoji="1" lang="ja-JP" altLang="en-US" dirty="0"/>
-              <a:t>個のセンサ値</a:t>
-            </a:r>
-          </a:p>
-        </p:txBody>
-      </p:sp>
-      <p:sp>
-        <p:nvSpPr>
           <p:cNvPr id="46" name="フローチャート: 磁気ディスク 45">
             <a:extLst>
               <a:ext uri="{FF2B5EF4-FFF2-40B4-BE49-F238E27FC236}">
@@ -4311,58 +4271,6 @@
             <a:ext cx="2487343" cy="783772"/>
           </a:xfrm>
           <a:prstGeom prst="ellipse">
-            <a:avLst/>
-          </a:prstGeom>
-          <a:noFill/>
-          <a:ln>
-            <a:solidFill>
-              <a:schemeClr val="tx1"/>
-            </a:solidFill>
-          </a:ln>
-        </p:spPr>
-        <p:style>
-          <a:lnRef idx="2">
-            <a:schemeClr val="accent1">
-              <a:shade val="50000"/>
-            </a:schemeClr>
-          </a:lnRef>
-          <a:fillRef idx="1">
-            <a:schemeClr val="accent1"/>
-          </a:fillRef>
-          <a:effectRef idx="0">
-            <a:schemeClr val="accent1"/>
-          </a:effectRef>
-          <a:fontRef idx="minor">
-            <a:schemeClr val="lt1"/>
-          </a:fontRef>
-        </p:style>
-        <p:txBody>
-          <a:bodyPr rtlCol="0" anchor="ctr"/>
-          <a:lstStyle/>
-          <a:p>
-            <a:pPr algn="ctr"/>
-            <a:endParaRPr kumimoji="1" lang="ja-JP" altLang="en-US"/>
-          </a:p>
-        </p:txBody>
-      </p:sp>
-      <p:sp>
-        <p:nvSpPr>
-          <p:cNvPr id="13" name="フローチャート: 磁気ディスク 12">
-            <a:extLst>
-              <a:ext uri="{FF2B5EF4-FFF2-40B4-BE49-F238E27FC236}">
-                <a16:creationId xmlns:a16="http://schemas.microsoft.com/office/drawing/2014/main" id="{9685621C-E6AF-4141-A686-04B70720DA7F}"/>
-              </a:ext>
-            </a:extLst>
-          </p:cNvPr>
-          <p:cNvSpPr/>
-          <p:nvPr/>
-        </p:nvSpPr>
-        <p:spPr>
-          <a:xfrm>
-            <a:off x="5505448" y="1699271"/>
-            <a:ext cx="1733277" cy="631645"/>
-          </a:xfrm>
-          <a:prstGeom prst="flowChartMagneticDisk">
             <a:avLst/>
           </a:prstGeom>
           <a:noFill/>
@@ -4549,13 +4457,14 @@
           <p:cNvCxnSpPr>
             <a:cxnSpLocks/>
             <a:stCxn id="14" idx="3"/>
+            <a:endCxn id="7" idx="1"/>
           </p:cNvCxnSpPr>
           <p:nvPr/>
         </p:nvCxnSpPr>
         <p:spPr>
           <a:xfrm flipV="1">
-            <a:off x="3820522" y="2031473"/>
-            <a:ext cx="1684926" cy="500"/>
+            <a:off x="3820522" y="2031505"/>
+            <a:ext cx="1576030" cy="468"/>
           </a:xfrm>
           <a:prstGeom prst="straightConnector1">
             <a:avLst/>
@@ -5032,15 +4941,15 @@
           </p:cNvPr>
           <p:cNvCxnSpPr>
             <a:cxnSpLocks/>
-            <a:stCxn id="13" idx="3"/>
+            <a:stCxn id="7" idx="2"/>
             <a:endCxn id="5" idx="0"/>
           </p:cNvCxnSpPr>
           <p:nvPr/>
         </p:nvCxnSpPr>
         <p:spPr>
           <a:xfrm>
-            <a:off x="6372087" y="2330916"/>
-            <a:ext cx="0" cy="1873755"/>
+            <a:off x="6372086" y="2228967"/>
+            <a:ext cx="1" cy="1975704"/>
           </a:xfrm>
           <a:prstGeom prst="straightConnector1">
             <a:avLst/>
@@ -5144,6 +5053,121 @@
           </a:p>
         </p:txBody>
       </p:sp>
+      <p:grpSp>
+        <p:nvGrpSpPr>
+          <p:cNvPr id="8" name="グループ化 7">
+            <a:extLst>
+              <a:ext uri="{FF2B5EF4-FFF2-40B4-BE49-F238E27FC236}">
+                <a16:creationId xmlns:a16="http://schemas.microsoft.com/office/drawing/2014/main" id="{79BA587D-D8F0-4795-AE8D-D537E8F0E6B8}"/>
+              </a:ext>
+            </a:extLst>
+          </p:cNvPr>
+          <p:cNvGrpSpPr/>
+          <p:nvPr/>
+        </p:nvGrpSpPr>
+        <p:grpSpPr>
+          <a:xfrm>
+            <a:off x="5396552" y="1834042"/>
+            <a:ext cx="1951068" cy="394925"/>
+            <a:chOff x="5729161" y="921649"/>
+            <a:chExt cx="1951068" cy="394925"/>
+          </a:xfrm>
+        </p:grpSpPr>
+        <p:sp>
+          <p:nvSpPr>
+            <p:cNvPr id="118" name="テキスト ボックス 117">
+              <a:extLst>
+                <a:ext uri="{FF2B5EF4-FFF2-40B4-BE49-F238E27FC236}">
+                  <a16:creationId xmlns:a16="http://schemas.microsoft.com/office/drawing/2014/main" id="{66CFD00C-20C3-4216-9D2E-06971DE37894}"/>
+                </a:ext>
+              </a:extLst>
+            </p:cNvPr>
+            <p:cNvSpPr txBox="1"/>
+            <p:nvPr/>
+          </p:nvSpPr>
+          <p:spPr>
+            <a:xfrm>
+              <a:off x="5729161" y="934445"/>
+              <a:ext cx="1951068" cy="369332"/>
+            </a:xfrm>
+            <a:prstGeom prst="rect">
+              <a:avLst/>
+            </a:prstGeom>
+            <a:noFill/>
+          </p:spPr>
+          <p:txBody>
+            <a:bodyPr wrap="square" rtlCol="0">
+              <a:spAutoFit/>
+            </a:bodyPr>
+            <a:lstStyle/>
+            <a:p>
+              <a:pPr algn="ctr"/>
+              <a:r>
+                <a:rPr kumimoji="1" lang="en-US" altLang="ja-JP" dirty="0"/>
+                <a:t>32</a:t>
+              </a:r>
+              <a:r>
+                <a:rPr kumimoji="1" lang="ja-JP" altLang="en-US" dirty="0"/>
+                <a:t>個のセンサ値</a:t>
+              </a:r>
+            </a:p>
+          </p:txBody>
+        </p:sp>
+        <p:sp>
+          <p:nvSpPr>
+            <p:cNvPr id="7" name="四角形: 角を丸くする 6">
+              <a:extLst>
+                <a:ext uri="{FF2B5EF4-FFF2-40B4-BE49-F238E27FC236}">
+                  <a16:creationId xmlns:a16="http://schemas.microsoft.com/office/drawing/2014/main" id="{AA862910-3BA5-4F92-9E62-AA01D04C9B60}"/>
+                </a:ext>
+              </a:extLst>
+            </p:cNvPr>
+            <p:cNvSpPr/>
+            <p:nvPr/>
+          </p:nvSpPr>
+          <p:spPr>
+            <a:xfrm>
+              <a:off x="5729161" y="921649"/>
+              <a:ext cx="1951068" cy="394925"/>
+            </a:xfrm>
+            <a:prstGeom prst="roundRect">
+              <a:avLst>
+                <a:gd name="adj" fmla="val 50000"/>
+              </a:avLst>
+            </a:prstGeom>
+            <a:noFill/>
+            <a:ln>
+              <a:solidFill>
+                <a:schemeClr val="tx1"/>
+              </a:solidFill>
+            </a:ln>
+          </p:spPr>
+          <p:style>
+            <a:lnRef idx="2">
+              <a:schemeClr val="accent1">
+                <a:shade val="50000"/>
+              </a:schemeClr>
+            </a:lnRef>
+            <a:fillRef idx="1">
+              <a:schemeClr val="accent1"/>
+            </a:fillRef>
+            <a:effectRef idx="0">
+              <a:schemeClr val="accent1"/>
+            </a:effectRef>
+            <a:fontRef idx="minor">
+              <a:schemeClr val="lt1"/>
+            </a:fontRef>
+          </p:style>
+          <p:txBody>
+            <a:bodyPr rtlCol="0" anchor="ctr"/>
+            <a:lstStyle/>
+            <a:p>
+              <a:pPr algn="ctr"/>
+              <a:endParaRPr kumimoji="1" lang="ja-JP" altLang="en-US"/>
+            </a:p>
+          </p:txBody>
+        </p:sp>
+      </p:grpSp>
     </p:spTree>
     <p:extLst>
       <p:ext uri="{BB962C8B-B14F-4D97-AF65-F5344CB8AC3E}">

--- a/ヘルメット/卒論/upload/figure/source/fig_data.pptx
+++ b/ヘルメット/卒論/upload/figure/source/fig_data.pptx
@@ -211,7 +211,7 @@
           <a:p>
             <a:fld id="{FE7EBC21-68F0-43CA-8DF5-D6844F9F3C2E}" type="datetimeFigureOut">
               <a:rPr kumimoji="1" lang="ja-JP" altLang="en-US" smtClean="0"/>
-              <a:t>2020/1/17</a:t>
+              <a:t>2020/1/18</a:t>
             </a:fld>
             <a:endParaRPr kumimoji="1" lang="ja-JP" altLang="en-US"/>
           </a:p>
@@ -731,7 +731,7 @@
           <a:p>
             <a:fld id="{28B1BEA1-2738-4C19-B133-02ABBF3E6E0C}" type="datetime1">
               <a:rPr kumimoji="1" lang="ja-JP" altLang="en-US" smtClean="0"/>
-              <a:t>2020/1/17</a:t>
+              <a:t>2020/1/18</a:t>
             </a:fld>
             <a:endParaRPr kumimoji="1" lang="ja-JP" altLang="en-US"/>
           </a:p>
@@ -1105,7 +1105,7 @@
           <a:p>
             <a:fld id="{321A0775-4641-4FD1-8F30-8577C8E45459}" type="datetime1">
               <a:rPr kumimoji="1" lang="ja-JP" altLang="en-US" smtClean="0"/>
-              <a:t>2020/1/17</a:t>
+              <a:t>2020/1/18</a:t>
             </a:fld>
             <a:endParaRPr kumimoji="1" lang="ja-JP" altLang="en-US"/>
           </a:p>
@@ -1315,7 +1315,7 @@
           <a:p>
             <a:fld id="{1A958096-B04A-44A1-BF3F-4EF7C63AEE7F}" type="datetime1">
               <a:rPr kumimoji="1" lang="ja-JP" altLang="en-US" smtClean="0"/>
-              <a:t>2020/1/17</a:t>
+              <a:t>2020/1/18</a:t>
             </a:fld>
             <a:endParaRPr kumimoji="1" lang="ja-JP" altLang="en-US"/>
           </a:p>
@@ -1515,7 +1515,7 @@
           <a:p>
             <a:fld id="{7E4BC299-9A2B-46B3-A868-72E6088D753F}" type="datetime1">
               <a:rPr kumimoji="1" lang="ja-JP" altLang="en-US" smtClean="0"/>
-              <a:t>2020/1/17</a:t>
+              <a:t>2020/1/18</a:t>
             </a:fld>
             <a:endParaRPr kumimoji="1" lang="ja-JP" altLang="en-US"/>
           </a:p>
@@ -1949,7 +1949,7 @@
           <a:p>
             <a:fld id="{5730D93F-C6A8-45DB-973B-2E9B74BB5747}" type="datetime1">
               <a:rPr kumimoji="1" lang="ja-JP" altLang="en-US" smtClean="0"/>
-              <a:t>2020/1/17</a:t>
+              <a:t>2020/1/18</a:t>
             </a:fld>
             <a:endParaRPr kumimoji="1" lang="ja-JP" altLang="en-US"/>
           </a:p>
@@ -2242,7 +2242,7 @@
           <a:p>
             <a:fld id="{8C8FBA03-08C5-445A-9675-5DD0E048D580}" type="datetime1">
               <a:rPr kumimoji="1" lang="ja-JP" altLang="en-US" smtClean="0"/>
-              <a:t>2020/1/17</a:t>
+              <a:t>2020/1/18</a:t>
             </a:fld>
             <a:endParaRPr kumimoji="1" lang="ja-JP" altLang="en-US"/>
           </a:p>
@@ -2670,7 +2670,7 @@
           <a:p>
             <a:fld id="{F22B3BE6-F63B-45DF-9657-6FEF2EDB1F30}" type="datetime1">
               <a:rPr kumimoji="1" lang="ja-JP" altLang="en-US" smtClean="0"/>
-              <a:t>2020/1/17</a:t>
+              <a:t>2020/1/18</a:t>
             </a:fld>
             <a:endParaRPr kumimoji="1" lang="ja-JP" altLang="en-US"/>
           </a:p>
@@ -2787,7 +2787,7 @@
           <a:p>
             <a:fld id="{C1D6E599-F080-45CC-8481-C833508C9D12}" type="datetime1">
               <a:rPr kumimoji="1" lang="ja-JP" altLang="en-US" smtClean="0"/>
-              <a:t>2020/1/17</a:t>
+              <a:t>2020/1/18</a:t>
             </a:fld>
             <a:endParaRPr kumimoji="1" lang="ja-JP" altLang="en-US"/>
           </a:p>
@@ -2882,7 +2882,7 @@
           <a:p>
             <a:fld id="{7D9B8A7E-64BC-4577-982E-7EC7218FD10F}" type="datetime1">
               <a:rPr kumimoji="1" lang="ja-JP" altLang="en-US" smtClean="0"/>
-              <a:t>2020/1/17</a:t>
+              <a:t>2020/1/18</a:t>
             </a:fld>
             <a:endParaRPr kumimoji="1" lang="ja-JP" altLang="en-US"/>
           </a:p>
@@ -3189,7 +3189,7 @@
           <a:p>
             <a:fld id="{8373066C-4ED1-4359-AD45-A7DE722C8BF8}" type="datetime1">
               <a:rPr kumimoji="1" lang="ja-JP" altLang="en-US" smtClean="0"/>
-              <a:t>2020/1/17</a:t>
+              <a:t>2020/1/18</a:t>
             </a:fld>
             <a:endParaRPr kumimoji="1" lang="ja-JP" altLang="en-US"/>
           </a:p>
@@ -3441,7 +3441,7 @@
           <a:p>
             <a:fld id="{BC0FD902-686B-4A0D-9EB1-37C4F06B03EF}" type="datetime1">
               <a:rPr kumimoji="1" lang="ja-JP" altLang="en-US" smtClean="0"/>
-              <a:t>2020/1/17</a:t>
+              <a:t>2020/1/18</a:t>
             </a:fld>
             <a:endParaRPr kumimoji="1" lang="ja-JP" altLang="en-US"/>
           </a:p>
@@ -3684,7 +3684,7 @@
           <a:p>
             <a:fld id="{E90FD2C9-6400-40CA-9626-E4ED2CBDBD1C}" type="datetime1">
               <a:rPr kumimoji="1" lang="ja-JP" altLang="en-US" smtClean="0"/>
-              <a:t>2020/1/17</a:t>
+              <a:t>2020/1/18</a:t>
             </a:fld>
             <a:endParaRPr kumimoji="1" lang="ja-JP" altLang="en-US"/>
           </a:p>
@@ -8677,7 +8677,7 @@
         </p:nvGrpSpPr>
         <p:grpSpPr>
           <a:xfrm>
-            <a:off x="3673784" y="987228"/>
+            <a:off x="3672693" y="2024742"/>
             <a:ext cx="938676" cy="809204"/>
             <a:chOff x="3673784" y="987228"/>
             <a:chExt cx="938676" cy="809204"/>
@@ -8731,7 +8731,7 @@
             <a:lstStyle/>
             <a:p>
               <a:pPr algn="ctr"/>
-              <a:endParaRPr kumimoji="1" lang="ja-JP" altLang="en-US"/>
+              <a:endParaRPr kumimoji="1" lang="ja-JP" altLang="en-US" dirty="0"/>
             </a:p>
           </p:txBody>
         </p:sp>
@@ -8789,12 +8789,12 @@
         </p:nvCxnSpPr>
         <p:spPr>
           <a:xfrm rot="5400000">
-            <a:off x="2375250" y="2485351"/>
-            <a:ext cx="2330949" cy="911720"/>
+            <a:off x="2903928" y="2996964"/>
+            <a:ext cx="1290658" cy="928786"/>
           </a:xfrm>
           <a:prstGeom prst="bentConnector3">
             <a:avLst>
-              <a:gd name="adj1" fmla="val 67358"/>
+              <a:gd name="adj1" fmla="val 50000"/>
             </a:avLst>
           </a:prstGeom>
           <a:ln>
@@ -8832,7 +8832,7 @@
         </p:nvSpPr>
         <p:spPr bwMode="auto">
           <a:xfrm rot="16200000">
-            <a:off x="4022373" y="2842984"/>
+            <a:off x="4014298" y="3264513"/>
             <a:ext cx="505608" cy="196451"/>
           </a:xfrm>
           <a:prstGeom prst="rect">
@@ -9099,9 +9099,9 @@
           <p:nvPr/>
         </p:nvCxnSpPr>
         <p:spPr>
-          <a:xfrm>
-            <a:off x="4268248" y="1775736"/>
-            <a:ext cx="6930" cy="912670"/>
+          <a:xfrm flipH="1">
+            <a:off x="4267103" y="2813250"/>
+            <a:ext cx="54" cy="296685"/>
           </a:xfrm>
           <a:prstGeom prst="line">
             <a:avLst/>
@@ -9145,11 +9145,13 @@
         </p:nvCxnSpPr>
         <p:spPr>
           <a:xfrm rot="5400000">
-            <a:off x="3576622" y="3408129"/>
-            <a:ext cx="912671" cy="484442"/>
+            <a:off x="3783349" y="3622931"/>
+            <a:ext cx="491143" cy="476367"/>
           </a:xfrm>
           <a:prstGeom prst="bentConnector3">
-            <a:avLst/>
+            <a:avLst>
+              <a:gd name="adj1" fmla="val 50000"/>
+            </a:avLst>
           </a:prstGeom>
           <a:ln>
             <a:solidFill>
@@ -9189,12 +9191,12 @@
         </p:nvCxnSpPr>
         <p:spPr>
           <a:xfrm rot="16200000" flipH="1">
-            <a:off x="3649172" y="2907957"/>
-            <a:ext cx="1824732" cy="572726"/>
+            <a:off x="3976259" y="3235044"/>
+            <a:ext cx="1169468" cy="573816"/>
           </a:xfrm>
           <a:prstGeom prst="bentConnector3">
             <a:avLst>
-              <a:gd name="adj1" fmla="val 332"/>
+              <a:gd name="adj1" fmla="val 180"/>
             </a:avLst>
           </a:prstGeom>
           <a:ln>
@@ -9232,7 +9234,7 @@
         </p:nvSpPr>
         <p:spPr>
           <a:xfrm>
-            <a:off x="4227744" y="3200889"/>
+            <a:off x="4219669" y="3622418"/>
             <a:ext cx="667588" cy="276999"/>
           </a:xfrm>
           <a:prstGeom prst="rect">
@@ -9271,7 +9273,7 @@
         </p:nvSpPr>
         <p:spPr>
           <a:xfrm flipH="1">
-            <a:off x="4240800" y="2260800"/>
+            <a:off x="4239709" y="2901806"/>
             <a:ext cx="64800" cy="65904"/>
           </a:xfrm>
           <a:prstGeom prst="ellipse">
